--- a/idea_proposal.pptx
+++ b/idea_proposal.pptx
@@ -265,7 +265,7 @@
           <a:p>
             <a:fld id="{E4EBB481-1817-4EAD-9696-BFFEA996E602}" type="datetimeFigureOut">
               <a:rPr lang="zh-CN" altLang="en-US" smtClean="0"/>
-              <a:t>2020/9/20</a:t>
+              <a:t>2020/9/28</a:t>
             </a:fld>
             <a:endParaRPr lang="zh-CN" altLang="en-US"/>
           </a:p>
@@ -463,7 +463,7 @@
           <a:p>
             <a:fld id="{E4EBB481-1817-4EAD-9696-BFFEA996E602}" type="datetimeFigureOut">
               <a:rPr lang="zh-CN" altLang="en-US" smtClean="0"/>
-              <a:t>2020/9/20</a:t>
+              <a:t>2020/9/28</a:t>
             </a:fld>
             <a:endParaRPr lang="zh-CN" altLang="en-US"/>
           </a:p>
@@ -671,7 +671,7 @@
           <a:p>
             <a:fld id="{E4EBB481-1817-4EAD-9696-BFFEA996E602}" type="datetimeFigureOut">
               <a:rPr lang="zh-CN" altLang="en-US" smtClean="0"/>
-              <a:t>2020/9/20</a:t>
+              <a:t>2020/9/28</a:t>
             </a:fld>
             <a:endParaRPr lang="zh-CN" altLang="en-US"/>
           </a:p>
@@ -869,7 +869,7 @@
           <a:p>
             <a:fld id="{E4EBB481-1817-4EAD-9696-BFFEA996E602}" type="datetimeFigureOut">
               <a:rPr lang="zh-CN" altLang="en-US" smtClean="0"/>
-              <a:t>2020/9/20</a:t>
+              <a:t>2020/9/28</a:t>
             </a:fld>
             <a:endParaRPr lang="zh-CN" altLang="en-US"/>
           </a:p>
@@ -1144,7 +1144,7 @@
           <a:p>
             <a:fld id="{E4EBB481-1817-4EAD-9696-BFFEA996E602}" type="datetimeFigureOut">
               <a:rPr lang="zh-CN" altLang="en-US" smtClean="0"/>
-              <a:t>2020/9/20</a:t>
+              <a:t>2020/9/28</a:t>
             </a:fld>
             <a:endParaRPr lang="zh-CN" altLang="en-US"/>
           </a:p>
@@ -1409,7 +1409,7 @@
           <a:p>
             <a:fld id="{E4EBB481-1817-4EAD-9696-BFFEA996E602}" type="datetimeFigureOut">
               <a:rPr lang="zh-CN" altLang="en-US" smtClean="0"/>
-              <a:t>2020/9/20</a:t>
+              <a:t>2020/9/28</a:t>
             </a:fld>
             <a:endParaRPr lang="zh-CN" altLang="en-US"/>
           </a:p>
@@ -1821,7 +1821,7 @@
           <a:p>
             <a:fld id="{E4EBB481-1817-4EAD-9696-BFFEA996E602}" type="datetimeFigureOut">
               <a:rPr lang="zh-CN" altLang="en-US" smtClean="0"/>
-              <a:t>2020/9/20</a:t>
+              <a:t>2020/9/28</a:t>
             </a:fld>
             <a:endParaRPr lang="zh-CN" altLang="en-US"/>
           </a:p>
@@ -1962,7 +1962,7 @@
           <a:p>
             <a:fld id="{E4EBB481-1817-4EAD-9696-BFFEA996E602}" type="datetimeFigureOut">
               <a:rPr lang="zh-CN" altLang="en-US" smtClean="0"/>
-              <a:t>2020/9/20</a:t>
+              <a:t>2020/9/28</a:t>
             </a:fld>
             <a:endParaRPr lang="zh-CN" altLang="en-US"/>
           </a:p>
@@ -2075,7 +2075,7 @@
           <a:p>
             <a:fld id="{E4EBB481-1817-4EAD-9696-BFFEA996E602}" type="datetimeFigureOut">
               <a:rPr lang="zh-CN" altLang="en-US" smtClean="0"/>
-              <a:t>2020/9/20</a:t>
+              <a:t>2020/9/28</a:t>
             </a:fld>
             <a:endParaRPr lang="zh-CN" altLang="en-US"/>
           </a:p>
@@ -2386,7 +2386,7 @@
           <a:p>
             <a:fld id="{E4EBB481-1817-4EAD-9696-BFFEA996E602}" type="datetimeFigureOut">
               <a:rPr lang="zh-CN" altLang="en-US" smtClean="0"/>
-              <a:t>2020/9/20</a:t>
+              <a:t>2020/9/28</a:t>
             </a:fld>
             <a:endParaRPr lang="zh-CN" altLang="en-US"/>
           </a:p>
@@ -2674,7 +2674,7 @@
           <a:p>
             <a:fld id="{E4EBB481-1817-4EAD-9696-BFFEA996E602}" type="datetimeFigureOut">
               <a:rPr lang="zh-CN" altLang="en-US" smtClean="0"/>
-              <a:t>2020/9/20</a:t>
+              <a:t>2020/9/28</a:t>
             </a:fld>
             <a:endParaRPr lang="zh-CN" altLang="en-US"/>
           </a:p>
@@ -2915,7 +2915,7 @@
           <a:p>
             <a:fld id="{E4EBB481-1817-4EAD-9696-BFFEA996E602}" type="datetimeFigureOut">
               <a:rPr lang="zh-CN" altLang="en-US" smtClean="0"/>
-              <a:t>2020/9/20</a:t>
+              <a:t>2020/9/28</a:t>
             </a:fld>
             <a:endParaRPr lang="zh-CN" altLang="en-US"/>
           </a:p>
@@ -7891,7 +7891,7 @@
         </p:blipFill>
         <p:spPr>
           <a:xfrm>
-            <a:off x="8323578" y="1232431"/>
+            <a:off x="8323578" y="1202614"/>
             <a:ext cx="3301165" cy="2616607"/>
           </a:xfrm>
           <a:prstGeom prst="rect">
